--- a/presentation/LAK Dataset Visualization.pptx
+++ b/presentation/LAK Dataset Visualization.pptx
@@ -471,6 +471,141 @@
 </file>
 
 <file path=ppt/notesSlides/notesSlide1.xml><?xml version="1.0" encoding="utf-8"?>
+<p:notes xmlns:a="http://schemas.openxmlformats.org/drawingml/2006/main" xmlns:r="http://schemas.openxmlformats.org/officeDocument/2006/relationships" xmlns:p="http://schemas.openxmlformats.org/presentationml/2006/main">
+  <p:cSld>
+    <p:spTree>
+      <p:nvGrpSpPr>
+        <p:cNvPr id="1" name=""/>
+        <p:cNvGrpSpPr/>
+        <p:nvPr/>
+      </p:nvGrpSpPr>
+      <p:grpSpPr>
+        <a:xfrm>
+          <a:off x="0" y="0"/>
+          <a:ext cx="0" cy="0"/>
+          <a:chOff x="0" y="0"/>
+          <a:chExt cx="0" cy="0"/>
+        </a:xfrm>
+      </p:grpSpPr>
+      <p:sp>
+        <p:nvSpPr>
+          <p:cNvPr id="2" name="Slide Image Placeholder 1"/>
+          <p:cNvSpPr>
+            <a:spLocks noGrp="1" noRot="1" noChangeAspect="1"/>
+          </p:cNvSpPr>
+          <p:nvPr>
+            <p:ph type="sldImg"/>
+          </p:nvPr>
+        </p:nvSpPr>
+        <p:spPr/>
+      </p:sp>
+      <p:sp>
+        <p:nvSpPr>
+          <p:cNvPr id="3" name="Notes Placeholder 2"/>
+          <p:cNvSpPr>
+            <a:spLocks noGrp="1"/>
+          </p:cNvSpPr>
+          <p:nvPr>
+            <p:ph type="body" idx="1"/>
+          </p:nvPr>
+        </p:nvSpPr>
+        <p:spPr/>
+        <p:txBody>
+          <a:bodyPr/>
+          <a:lstStyle/>
+          <a:p>
+            <a:r>
+              <a:rPr lang="en-US" dirty="0" err="1" smtClean="0"/>
+              <a:t>Minpunten</a:t>
+            </a:r>
+            <a:endParaRPr lang="en-US" dirty="0" smtClean="0"/>
+          </a:p>
+          <a:p>
+            <a:r>
+              <a:rPr lang="en-US" dirty="0" smtClean="0"/>
+              <a:t>- </a:t>
+            </a:r>
+            <a:r>
+              <a:rPr lang="en-US" dirty="0" err="1" smtClean="0"/>
+              <a:t>Kan</a:t>
+            </a:r>
+            <a:r>
+              <a:rPr lang="en-US" dirty="0" smtClean="0"/>
+              <a:t> cluttered </a:t>
+            </a:r>
+            <a:r>
+              <a:rPr lang="en-US" dirty="0" err="1" smtClean="0"/>
+              <a:t>worden</a:t>
+            </a:r>
+            <a:r>
+              <a:rPr lang="en-US" dirty="0" smtClean="0"/>
+              <a:t> (</a:t>
+            </a:r>
+            <a:r>
+              <a:rPr lang="en-US" dirty="0" err="1" smtClean="0"/>
+              <a:t>misschien</a:t>
+            </a:r>
+            <a:r>
+              <a:rPr lang="en-US" dirty="0" smtClean="0"/>
+              <a:t> </a:t>
+            </a:r>
+            <a:r>
+              <a:rPr lang="en-US" dirty="0" err="1" smtClean="0"/>
+              <a:t>ook</a:t>
+            </a:r>
+            <a:r>
+              <a:rPr lang="en-US" dirty="0" smtClean="0"/>
+              <a:t> met aggregates </a:t>
+            </a:r>
+            <a:r>
+              <a:rPr lang="en-US" dirty="0" err="1" smtClean="0"/>
+              <a:t>werken</a:t>
+            </a:r>
+            <a:r>
+              <a:rPr lang="en-US" dirty="0" smtClean="0"/>
+              <a:t>)</a:t>
+            </a:r>
+            <a:endParaRPr lang="en-US" dirty="0"/>
+          </a:p>
+        </p:txBody>
+      </p:sp>
+      <p:sp>
+        <p:nvSpPr>
+          <p:cNvPr id="4" name="Slide Number Placeholder 3"/>
+          <p:cNvSpPr>
+            <a:spLocks noGrp="1"/>
+          </p:cNvSpPr>
+          <p:nvPr>
+            <p:ph type="sldNum" sz="quarter" idx="10"/>
+          </p:nvPr>
+        </p:nvSpPr>
+        <p:spPr/>
+        <p:txBody>
+          <a:bodyPr/>
+          <a:lstStyle/>
+          <a:p>
+            <a:fld id="{C28FCC00-BE90-43A8-BE8B-860A794310F9}" type="slidenum">
+              <a:rPr lang="en-US" smtClean="0"/>
+              <a:t>4</a:t>
+            </a:fld>
+            <a:endParaRPr lang="en-US"/>
+          </a:p>
+        </p:txBody>
+      </p:sp>
+    </p:spTree>
+    <p:extLst>
+      <p:ext uri="{BB962C8B-B14F-4D97-AF65-F5344CB8AC3E}">
+        <p14:creationId xmlns:p14="http://schemas.microsoft.com/office/powerpoint/2010/main" val="234455060"/>
+      </p:ext>
+    </p:extLst>
+  </p:cSld>
+  <p:clrMapOvr>
+    <a:masterClrMapping/>
+  </p:clrMapOvr>
+</p:notes>
+</file>
+
+<file path=ppt/notesSlides/notesSlide2.xml><?xml version="1.0" encoding="utf-8"?>
 <p:notes xmlns:a="http://schemas.openxmlformats.org/drawingml/2006/main" xmlns:r="http://schemas.openxmlformats.org/officeDocument/2006/relationships" xmlns:p="http://schemas.openxmlformats.org/presentationml/2006/main">
   <p:cSld>
     <p:spTree>
@@ -3618,7 +3753,7 @@
         </p:nvSpPr>
         <p:spPr>
           <a:xfrm>
-            <a:off x="755576" y="2420888"/>
+            <a:off x="755576" y="2696408"/>
             <a:ext cx="7772400" cy="1470025"/>
           </a:xfrm>
         </p:spPr>
@@ -4640,7 +4775,7 @@
           <p:nvPr/>
         </p:nvPicPr>
         <p:blipFill>
-          <a:blip r:embed="rId2">
+          <a:blip r:embed="rId3">
             <a:extLst>
               <a:ext uri="{28A0092B-C50C-407E-A947-70E740481C1C}">
                 <a14:useLocalDpi xmlns:a14="http://schemas.microsoft.com/office/drawing/2010/main" val="0"/>
@@ -5069,11 +5204,7 @@
           <a:p>
             <a:r>
               <a:rPr lang="en-US" dirty="0" smtClean="0"/>
-              <a:t>Possible </a:t>
-            </a:r>
-            <a:r>
-              <a:rPr lang="en-US" dirty="0" err="1" smtClean="0"/>
-              <a:t>visualisations</a:t>
+              <a:t>Possible visualizations</a:t>
             </a:r>
             <a:endParaRPr lang="en-US" dirty="0"/>
           </a:p>

--- a/presentation/LAK Dataset Visualization.pptx
+++ b/presentation/LAK Dataset Visualization.pptx
@@ -202,7 +202,7 @@
           <a:p>
             <a:fld id="{E43CAC32-9666-49E6-8E26-32B4394C868D}" type="datetimeFigureOut">
               <a:rPr lang="en-US" smtClean="0"/>
-              <a:t>4/11/2013</a:t>
+              <a:t>4/17/2013</a:t>
             </a:fld>
             <a:endParaRPr lang="en-US"/>
           </a:p>
@@ -934,7 +934,7 @@
           <a:p>
             <a:fld id="{ED02DD9D-C3CB-4C5D-8462-3DEFE68BBCFA}" type="datetimeFigureOut">
               <a:rPr lang="en-US" smtClean="0"/>
-              <a:t>4/11/2013</a:t>
+              <a:t>4/17/2013</a:t>
             </a:fld>
             <a:endParaRPr lang="en-US"/>
           </a:p>
@@ -1104,7 +1104,7 @@
           <a:p>
             <a:fld id="{ED02DD9D-C3CB-4C5D-8462-3DEFE68BBCFA}" type="datetimeFigureOut">
               <a:rPr lang="en-US" smtClean="0"/>
-              <a:t>4/11/2013</a:t>
+              <a:t>4/17/2013</a:t>
             </a:fld>
             <a:endParaRPr lang="en-US"/>
           </a:p>
@@ -1284,7 +1284,7 @@
           <a:p>
             <a:fld id="{ED02DD9D-C3CB-4C5D-8462-3DEFE68BBCFA}" type="datetimeFigureOut">
               <a:rPr lang="en-US" smtClean="0"/>
-              <a:t>4/11/2013</a:t>
+              <a:t>4/17/2013</a:t>
             </a:fld>
             <a:endParaRPr lang="en-US"/>
           </a:p>
@@ -1454,7 +1454,7 @@
           <a:p>
             <a:fld id="{ED02DD9D-C3CB-4C5D-8462-3DEFE68BBCFA}" type="datetimeFigureOut">
               <a:rPr lang="en-US" smtClean="0"/>
-              <a:t>4/11/2013</a:t>
+              <a:t>4/17/2013</a:t>
             </a:fld>
             <a:endParaRPr lang="en-US"/>
           </a:p>
@@ -1700,7 +1700,7 @@
           <a:p>
             <a:fld id="{ED02DD9D-C3CB-4C5D-8462-3DEFE68BBCFA}" type="datetimeFigureOut">
               <a:rPr lang="en-US" smtClean="0"/>
-              <a:t>4/11/2013</a:t>
+              <a:t>4/17/2013</a:t>
             </a:fld>
             <a:endParaRPr lang="en-US"/>
           </a:p>
@@ -1988,7 +1988,7 @@
           <a:p>
             <a:fld id="{ED02DD9D-C3CB-4C5D-8462-3DEFE68BBCFA}" type="datetimeFigureOut">
               <a:rPr lang="en-US" smtClean="0"/>
-              <a:t>4/11/2013</a:t>
+              <a:t>4/17/2013</a:t>
             </a:fld>
             <a:endParaRPr lang="en-US"/>
           </a:p>
@@ -2410,7 +2410,7 @@
           <a:p>
             <a:fld id="{ED02DD9D-C3CB-4C5D-8462-3DEFE68BBCFA}" type="datetimeFigureOut">
               <a:rPr lang="en-US" smtClean="0"/>
-              <a:t>4/11/2013</a:t>
+              <a:t>4/17/2013</a:t>
             </a:fld>
             <a:endParaRPr lang="en-US"/>
           </a:p>
@@ -2528,7 +2528,7 @@
           <a:p>
             <a:fld id="{ED02DD9D-C3CB-4C5D-8462-3DEFE68BBCFA}" type="datetimeFigureOut">
               <a:rPr lang="en-US" smtClean="0"/>
-              <a:t>4/11/2013</a:t>
+              <a:t>4/17/2013</a:t>
             </a:fld>
             <a:endParaRPr lang="en-US"/>
           </a:p>
@@ -2623,7 +2623,7 @@
           <a:p>
             <a:fld id="{ED02DD9D-C3CB-4C5D-8462-3DEFE68BBCFA}" type="datetimeFigureOut">
               <a:rPr lang="en-US" smtClean="0"/>
-              <a:t>4/11/2013</a:t>
+              <a:t>4/17/2013</a:t>
             </a:fld>
             <a:endParaRPr lang="en-US"/>
           </a:p>
@@ -2900,7 +2900,7 @@
           <a:p>
             <a:fld id="{ED02DD9D-C3CB-4C5D-8462-3DEFE68BBCFA}" type="datetimeFigureOut">
               <a:rPr lang="en-US" smtClean="0"/>
-              <a:t>4/11/2013</a:t>
+              <a:t>4/17/2013</a:t>
             </a:fld>
             <a:endParaRPr lang="en-US"/>
           </a:p>
@@ -3153,7 +3153,7 @@
           <a:p>
             <a:fld id="{ED02DD9D-C3CB-4C5D-8462-3DEFE68BBCFA}" type="datetimeFigureOut">
               <a:rPr lang="en-US" smtClean="0"/>
-              <a:t>4/11/2013</a:t>
+              <a:t>4/17/2013</a:t>
             </a:fld>
             <a:endParaRPr lang="en-US"/>
           </a:p>
@@ -3366,7 +3366,7 @@
           <a:p>
             <a:fld id="{ED02DD9D-C3CB-4C5D-8462-3DEFE68BBCFA}" type="datetimeFigureOut">
               <a:rPr lang="en-US" smtClean="0"/>
-              <a:t>4/11/2013</a:t>
+              <a:t>4/17/2013</a:t>
             </a:fld>
             <a:endParaRPr lang="en-US"/>
           </a:p>
@@ -4029,6 +4029,13 @@
   <p:clrMapOvr>
     <a:masterClrMapping/>
   </p:clrMapOvr>
+  <p:timing>
+    <p:tnLst>
+      <p:par>
+        <p:cTn id="1" dur="indefinite" restart="never" nodeType="tmRoot"/>
+      </p:par>
+    </p:tnLst>
+  </p:timing>
 </p:sld>
 </file>
 
@@ -4163,6 +4170,13 @@
   <p:clrMapOvr>
     <a:masterClrMapping/>
   </p:clrMapOvr>
+  <p:timing>
+    <p:tnLst>
+      <p:par>
+        <p:cTn id="1" dur="indefinite" restart="never" nodeType="tmRoot"/>
+      </p:par>
+    </p:tnLst>
+  </p:timing>
 </p:sld>
 </file>
 
@@ -4347,6 +4361,13 @@
   <p:clrMapOvr>
     <a:masterClrMapping/>
   </p:clrMapOvr>
+  <p:timing>
+    <p:tnLst>
+      <p:par>
+        <p:cTn id="1" dur="indefinite" restart="never" nodeType="tmRoot"/>
+      </p:par>
+    </p:tnLst>
+  </p:timing>
 </p:sld>
 </file>
 
@@ -4491,6 +4512,13 @@
   <p:clrMapOvr>
     <a:masterClrMapping/>
   </p:clrMapOvr>
+  <p:timing>
+    <p:tnLst>
+      <p:par>
+        <p:cTn id="1" dur="indefinite" restart="never" nodeType="tmRoot"/>
+      </p:par>
+    </p:tnLst>
+  </p:timing>
 </p:sld>
 </file>
 
@@ -4669,6 +4697,13 @@
   <p:clrMapOvr>
     <a:masterClrMapping/>
   </p:clrMapOvr>
+  <p:timing>
+    <p:tnLst>
+      <p:par>
+        <p:cTn id="1" dur="indefinite" restart="never" nodeType="tmRoot"/>
+      </p:par>
+    </p:tnLst>
+  </p:timing>
 </p:sld>
 </file>
 
@@ -4736,7 +4771,15 @@
             <a:pPr lvl="1"/>
             <a:r>
               <a:rPr lang="en-US" dirty="0" smtClean="0"/>
-              <a:t>Original idea</a:t>
+              <a:t>Our o</a:t>
+            </a:r>
+            <a:r>
+              <a:rPr lang="en-US" dirty="0" smtClean="0"/>
+              <a:t>riginal </a:t>
+            </a:r>
+            <a:r>
+              <a:rPr lang="en-US" dirty="0" smtClean="0"/>
+              <a:t>idea</a:t>
             </a:r>
           </a:p>
           <a:p>
@@ -4757,8 +4800,16 @@
             </a:br>
             <a:r>
               <a:rPr lang="en-US" dirty="0" smtClean="0"/>
-              <a:t>amount</a:t>
-            </a:r>
+              <a:t>amount of common</a:t>
+            </a:r>
+            <a:br>
+              <a:rPr lang="en-US" dirty="0" smtClean="0"/>
+            </a:br>
+            <a:r>
+              <a:rPr lang="en-US" dirty="0" smtClean="0"/>
+              <a:t>papers</a:t>
+            </a:r>
+            <a:endParaRPr lang="en-US" dirty="0" smtClean="0"/>
           </a:p>
           <a:p>
             <a:pPr lvl="1"/>
@@ -4840,6 +4891,13 @@
   <p:clrMapOvr>
     <a:masterClrMapping/>
   </p:clrMapOvr>
+  <p:timing>
+    <p:tnLst>
+      <p:par>
+        <p:cTn id="1" dur="indefinite" restart="never" nodeType="tmRoot"/>
+      </p:par>
+    </p:tnLst>
+  </p:timing>
 </p:sld>
 </file>
 
@@ -5010,6 +5068,13 @@
   <p:clrMapOvr>
     <a:masterClrMapping/>
   </p:clrMapOvr>
+  <p:timing>
+    <p:tnLst>
+      <p:par>
+        <p:cTn id="1" dur="indefinite" restart="never" nodeType="tmRoot"/>
+      </p:par>
+    </p:tnLst>
+  </p:timing>
 </p:sld>
 </file>
 
@@ -5167,6 +5232,13 @@
   <p:clrMapOvr>
     <a:masterClrMapping/>
   </p:clrMapOvr>
+  <p:timing>
+    <p:tnLst>
+      <p:par>
+        <p:cTn id="1" dur="indefinite" restart="never" nodeType="tmRoot"/>
+      </p:par>
+    </p:tnLst>
+  </p:timing>
 </p:sld>
 </file>
 
@@ -5371,6 +5443,13 @@
   <p:clrMapOvr>
     <a:masterClrMapping/>
   </p:clrMapOvr>
+  <p:timing>
+    <p:tnLst>
+      <p:par>
+        <p:cTn id="1" dur="indefinite" restart="never" nodeType="tmRoot"/>
+      </p:par>
+    </p:tnLst>
+  </p:timing>
 </p:sld>
 </file>
 
@@ -5441,7 +5520,15 @@
             </a:r>
             <a:r>
               <a:rPr lang="en-US" dirty="0" smtClean="0"/>
-              <a:t> + aggregate map merged</a:t>
+              <a:t> + </a:t>
+            </a:r>
+            <a:r>
+              <a:rPr lang="en-US" dirty="0" smtClean="0"/>
+              <a:t>aggregate + common-paper </a:t>
+            </a:r>
+            <a:r>
+              <a:rPr lang="en-US" dirty="0" smtClean="0"/>
+              <a:t>map merged</a:t>
             </a:r>
           </a:p>
           <a:p>
@@ -5451,7 +5538,15 @@
             </a:r>
             <a:r>
               <a:rPr lang="en-US" dirty="0" smtClean="0"/>
-              <a:t> and Common-paper Map still separate</a:t>
+              <a:t> </a:t>
+            </a:r>
+            <a:r>
+              <a:rPr lang="en-US" dirty="0" smtClean="0"/>
+              <a:t>still </a:t>
+            </a:r>
+            <a:r>
+              <a:rPr lang="en-US" dirty="0" smtClean="0"/>
+              <a:t>separate</a:t>
             </a:r>
           </a:p>
           <a:p>
@@ -5474,6 +5569,13 @@
   <p:clrMapOvr>
     <a:masterClrMapping/>
   </p:clrMapOvr>
+  <p:timing>
+    <p:tnLst>
+      <p:par>
+        <p:cTn id="1" dur="indefinite" restart="never" nodeType="tmRoot"/>
+      </p:par>
+    </p:tnLst>
+  </p:timing>
 </p:sld>
 </file>
 
@@ -5719,6 +5821,13 @@
   <p:clrMapOvr>
     <a:masterClrMapping/>
   </p:clrMapOvr>
+  <p:timing>
+    <p:tnLst>
+      <p:par>
+        <p:cTn id="1" dur="indefinite" restart="never" nodeType="tmRoot"/>
+      </p:par>
+    </p:tnLst>
+  </p:timing>
 </p:sld>
 </file>
 
